--- a/02_Inventory/zaiko_flow.pptx
+++ b/02_Inventory/zaiko_flow.pptx
@@ -105,6 +105,11 @@
       </a:defRPr>
     </a:lvl9pPr>
   </p:defaultTextStyle>
+  <p:extLst>
+    <p:ext uri="{EFAFB233-063F-42B5-8137-9DF3F51BA10A}">
+      <p15:sldGuideLst xmlns:p15="http://schemas.microsoft.com/office/powerpoint/2012/main"/>
+    </p:ext>
+  </p:extLst>
 </p:presentation>
 </file>
 
@@ -255,7 +260,7 @@
           <a:p>
             <a:fld id="{F0F47715-0320-47F9-B02F-6B9453D68F91}" type="datetimeFigureOut">
               <a:rPr kumimoji="1" lang="ja-JP" altLang="en-US" smtClean="0"/>
-              <a:t>2025/6/19</a:t>
+              <a:t>2025/6/23</a:t>
             </a:fld>
             <a:endParaRPr kumimoji="1" lang="ja-JP" altLang="en-US"/>
           </a:p>
@@ -485,7 +490,7 @@
           <a:p>
             <a:fld id="{F0F47715-0320-47F9-B02F-6B9453D68F91}" type="datetimeFigureOut">
               <a:rPr kumimoji="1" lang="ja-JP" altLang="en-US" smtClean="0"/>
-              <a:t>2025/6/19</a:t>
+              <a:t>2025/6/23</a:t>
             </a:fld>
             <a:endParaRPr kumimoji="1" lang="ja-JP" altLang="en-US"/>
           </a:p>
@@ -725,7 +730,7 @@
           <a:p>
             <a:fld id="{F0F47715-0320-47F9-B02F-6B9453D68F91}" type="datetimeFigureOut">
               <a:rPr kumimoji="1" lang="ja-JP" altLang="en-US" smtClean="0"/>
-              <a:t>2025/6/19</a:t>
+              <a:t>2025/6/23</a:t>
             </a:fld>
             <a:endParaRPr kumimoji="1" lang="ja-JP" altLang="en-US"/>
           </a:p>
@@ -955,7 +960,7 @@
           <a:p>
             <a:fld id="{F0F47715-0320-47F9-B02F-6B9453D68F91}" type="datetimeFigureOut">
               <a:rPr kumimoji="1" lang="ja-JP" altLang="en-US" smtClean="0"/>
-              <a:t>2025/6/19</a:t>
+              <a:t>2025/6/23</a:t>
             </a:fld>
             <a:endParaRPr kumimoji="1" lang="ja-JP" altLang="en-US"/>
           </a:p>
@@ -1230,7 +1235,7 @@
           <a:p>
             <a:fld id="{F0F47715-0320-47F9-B02F-6B9453D68F91}" type="datetimeFigureOut">
               <a:rPr kumimoji="1" lang="ja-JP" altLang="en-US" smtClean="0"/>
-              <a:t>2025/6/19</a:t>
+              <a:t>2025/6/23</a:t>
             </a:fld>
             <a:endParaRPr kumimoji="1" lang="ja-JP" altLang="en-US"/>
           </a:p>
@@ -1559,7 +1564,7 @@
           <a:p>
             <a:fld id="{F0F47715-0320-47F9-B02F-6B9453D68F91}" type="datetimeFigureOut">
               <a:rPr kumimoji="1" lang="ja-JP" altLang="en-US" smtClean="0"/>
-              <a:t>2025/6/19</a:t>
+              <a:t>2025/6/23</a:t>
             </a:fld>
             <a:endParaRPr kumimoji="1" lang="ja-JP" altLang="en-US"/>
           </a:p>
@@ -2035,7 +2040,7 @@
           <a:p>
             <a:fld id="{F0F47715-0320-47F9-B02F-6B9453D68F91}" type="datetimeFigureOut">
               <a:rPr kumimoji="1" lang="ja-JP" altLang="en-US" smtClean="0"/>
-              <a:t>2025/6/19</a:t>
+              <a:t>2025/6/23</a:t>
             </a:fld>
             <a:endParaRPr kumimoji="1" lang="ja-JP" altLang="en-US"/>
           </a:p>
@@ -2176,7 +2181,7 @@
           <a:p>
             <a:fld id="{F0F47715-0320-47F9-B02F-6B9453D68F91}" type="datetimeFigureOut">
               <a:rPr kumimoji="1" lang="ja-JP" altLang="en-US" smtClean="0"/>
-              <a:t>2025/6/19</a:t>
+              <a:t>2025/6/23</a:t>
             </a:fld>
             <a:endParaRPr kumimoji="1" lang="ja-JP" altLang="en-US"/>
           </a:p>
@@ -2289,7 +2294,7 @@
           <a:p>
             <a:fld id="{F0F47715-0320-47F9-B02F-6B9453D68F91}" type="datetimeFigureOut">
               <a:rPr kumimoji="1" lang="ja-JP" altLang="en-US" smtClean="0"/>
-              <a:t>2025/6/19</a:t>
+              <a:t>2025/6/23</a:t>
             </a:fld>
             <a:endParaRPr kumimoji="1" lang="ja-JP" altLang="en-US"/>
           </a:p>
@@ -2632,7 +2637,7 @@
           <a:p>
             <a:fld id="{F0F47715-0320-47F9-B02F-6B9453D68F91}" type="datetimeFigureOut">
               <a:rPr kumimoji="1" lang="ja-JP" altLang="en-US" smtClean="0"/>
-              <a:t>2025/6/19</a:t>
+              <a:t>2025/6/23</a:t>
             </a:fld>
             <a:endParaRPr kumimoji="1" lang="ja-JP" altLang="en-US"/>
           </a:p>
@@ -2920,7 +2925,7 @@
           <a:p>
             <a:fld id="{F0F47715-0320-47F9-B02F-6B9453D68F91}" type="datetimeFigureOut">
               <a:rPr kumimoji="1" lang="ja-JP" altLang="en-US" smtClean="0"/>
-              <a:t>2025/6/19</a:t>
+              <a:t>2025/6/23</a:t>
             </a:fld>
             <a:endParaRPr kumimoji="1" lang="ja-JP" altLang="en-US"/>
           </a:p>
@@ -3193,7 +3198,7 @@
           <a:p>
             <a:fld id="{F0F47715-0320-47F9-B02F-6B9453D68F91}" type="datetimeFigureOut">
               <a:rPr kumimoji="1" lang="ja-JP" altLang="en-US" smtClean="0"/>
-              <a:t>2025/6/19</a:t>
+              <a:t>2025/6/23</a:t>
             </a:fld>
             <a:endParaRPr kumimoji="1" lang="ja-JP" altLang="en-US"/>
           </a:p>
@@ -4133,7 +4138,7 @@
             <a:pPr algn="ctr"/>
             <a:r>
               <a:rPr kumimoji="1" lang="ja-JP" altLang="en-US" sz="1050" dirty="0"/>
-              <a:t>タブレットで店舗在庫数を入力</a:t>
+              <a:t>在庫を確認する</a:t>
             </a:r>
           </a:p>
         </p:txBody>
@@ -4805,51 +4810,6 @@
           </a:p>
         </p:txBody>
       </p:sp>
-      <p:cxnSp>
-        <p:nvCxnSpPr>
-          <p:cNvPr id="49" name="コネクタ: カギ線 48">
-            <a:extLst>
-              <a:ext uri="{FF2B5EF4-FFF2-40B4-BE49-F238E27FC236}">
-                <a16:creationId xmlns:a16="http://schemas.microsoft.com/office/drawing/2014/main" id="{0034D67D-44D1-1E43-F25E-D24A6BB540CF}"/>
-              </a:ext>
-            </a:extLst>
-          </p:cNvPr>
-          <p:cNvCxnSpPr>
-            <a:cxnSpLocks/>
-            <a:stCxn id="13" idx="3"/>
-            <a:endCxn id="22" idx="1"/>
-          </p:cNvCxnSpPr>
-          <p:nvPr/>
-        </p:nvCxnSpPr>
-        <p:spPr>
-          <a:xfrm>
-            <a:off x="2979788" y="1828680"/>
-            <a:ext cx="1360814" cy="1058585"/>
-          </a:xfrm>
-          <a:prstGeom prst="bentConnector3">
-            <a:avLst>
-              <a:gd name="adj1" fmla="val 50000"/>
-            </a:avLst>
-          </a:prstGeom>
-          <a:ln>
-            <a:tailEnd type="triangle"/>
-          </a:ln>
-        </p:spPr>
-        <p:style>
-          <a:lnRef idx="2">
-            <a:schemeClr val="accent1"/>
-          </a:lnRef>
-          <a:fillRef idx="0">
-            <a:schemeClr val="accent1"/>
-          </a:fillRef>
-          <a:effectRef idx="1">
-            <a:schemeClr val="accent1"/>
-          </a:effectRef>
-          <a:fontRef idx="minor">
-            <a:schemeClr val="tx1"/>
-          </a:fontRef>
-        </p:style>
-      </p:cxnSp>
       <p:sp>
         <p:nvSpPr>
           <p:cNvPr id="52" name="正方形/長方形 51">
@@ -5299,14 +5259,13 @@
           <p:cNvCxnSpPr>
             <a:cxnSpLocks/>
             <a:stCxn id="13" idx="3"/>
-            <a:endCxn id="20" idx="1"/>
           </p:cNvCxnSpPr>
           <p:nvPr/>
         </p:nvCxnSpPr>
         <p:spPr>
           <a:xfrm>
             <a:off x="2979788" y="1828680"/>
-            <a:ext cx="1272940" cy="7198"/>
+            <a:ext cx="0" cy="483379"/>
           </a:xfrm>
           <a:prstGeom prst="straightConnector1">
             <a:avLst/>
@@ -6108,6 +6067,246 @@
           <a:xfrm>
             <a:off x="10813349" y="3196855"/>
             <a:ext cx="7513" cy="1613612"/>
+          </a:xfrm>
+          <a:prstGeom prst="straightConnector1">
+            <a:avLst/>
+          </a:prstGeom>
+          <a:ln>
+            <a:tailEnd type="triangle"/>
+          </a:ln>
+        </p:spPr>
+        <p:style>
+          <a:lnRef idx="2">
+            <a:schemeClr val="accent1"/>
+          </a:lnRef>
+          <a:fillRef idx="0">
+            <a:schemeClr val="accent1"/>
+          </a:fillRef>
+          <a:effectRef idx="1">
+            <a:schemeClr val="accent1"/>
+          </a:effectRef>
+          <a:fontRef idx="minor">
+            <a:schemeClr val="tx1"/>
+          </a:fontRef>
+        </p:style>
+      </p:cxnSp>
+      <p:sp>
+        <p:nvSpPr>
+          <p:cNvPr id="4" name="フローチャート: 判断 3">
+            <a:extLst>
+              <a:ext uri="{FF2B5EF4-FFF2-40B4-BE49-F238E27FC236}">
+                <a16:creationId xmlns:a16="http://schemas.microsoft.com/office/drawing/2014/main" id="{C2275816-6731-EF7B-A630-DE8E1C5B8507}"/>
+              </a:ext>
+            </a:extLst>
+          </p:cNvPr>
+          <p:cNvSpPr/>
+          <p:nvPr/>
+        </p:nvSpPr>
+        <p:spPr>
+          <a:xfrm>
+            <a:off x="2107878" y="2319666"/>
+            <a:ext cx="1728686" cy="859536"/>
+          </a:xfrm>
+          <a:prstGeom prst="flowChartDecision">
+            <a:avLst/>
+          </a:prstGeom>
+          <a:solidFill>
+            <a:schemeClr val="accent2">
+              <a:lumMod val="20000"/>
+              <a:lumOff val="80000"/>
+            </a:schemeClr>
+          </a:solidFill>
+        </p:spPr>
+        <p:style>
+          <a:lnRef idx="2">
+            <a:schemeClr val="accent2"/>
+          </a:lnRef>
+          <a:fillRef idx="1">
+            <a:schemeClr val="lt1"/>
+          </a:fillRef>
+          <a:effectRef idx="0">
+            <a:schemeClr val="accent2"/>
+          </a:effectRef>
+          <a:fontRef idx="minor">
+            <a:schemeClr val="dk1"/>
+          </a:fontRef>
+        </p:style>
+        <p:txBody>
+          <a:bodyPr rtlCol="0" anchor="ctr"/>
+          <a:lstStyle/>
+          <a:p>
+            <a:pPr algn="ctr"/>
+            <a:r>
+              <a:rPr kumimoji="1" lang="ja-JP" altLang="en-US" sz="1050" dirty="0"/>
+              <a:t>周辺店舗・倉庫に在庫がある？</a:t>
+            </a:r>
+          </a:p>
+        </p:txBody>
+      </p:sp>
+      <p:sp>
+        <p:nvSpPr>
+          <p:cNvPr id="6" name="正方形/長方形 5">
+            <a:extLst>
+              <a:ext uri="{FF2B5EF4-FFF2-40B4-BE49-F238E27FC236}">
+                <a16:creationId xmlns:a16="http://schemas.microsoft.com/office/drawing/2014/main" id="{3E4F402A-BBFB-F93F-5497-B45F9FB426A8}"/>
+              </a:ext>
+            </a:extLst>
+          </p:cNvPr>
+          <p:cNvSpPr/>
+          <p:nvPr/>
+        </p:nvSpPr>
+        <p:spPr>
+          <a:xfrm>
+            <a:off x="3074991" y="2136782"/>
+            <a:ext cx="616648" cy="433340"/>
+          </a:xfrm>
+          <a:prstGeom prst="rect">
+            <a:avLst/>
+          </a:prstGeom>
+          <a:noFill/>
+          <a:ln>
+            <a:noFill/>
+          </a:ln>
+        </p:spPr>
+        <p:style>
+          <a:lnRef idx="2">
+            <a:schemeClr val="dk1"/>
+          </a:lnRef>
+          <a:fillRef idx="1">
+            <a:schemeClr val="lt1"/>
+          </a:fillRef>
+          <a:effectRef idx="0">
+            <a:schemeClr val="dk1"/>
+          </a:effectRef>
+          <a:fontRef idx="minor">
+            <a:schemeClr val="dk1"/>
+          </a:fontRef>
+        </p:style>
+        <p:txBody>
+          <a:bodyPr rtlCol="0" anchor="ctr"/>
+          <a:lstStyle/>
+          <a:p>
+            <a:pPr algn="ctr"/>
+            <a:r>
+              <a:rPr kumimoji="1" lang="ja-JP" altLang="en-US" sz="1050" dirty="0"/>
+              <a:t>はい</a:t>
+            </a:r>
+          </a:p>
+        </p:txBody>
+      </p:sp>
+      <p:sp>
+        <p:nvSpPr>
+          <p:cNvPr id="19" name="正方形/長方形 18">
+            <a:extLst>
+              <a:ext uri="{FF2B5EF4-FFF2-40B4-BE49-F238E27FC236}">
+                <a16:creationId xmlns:a16="http://schemas.microsoft.com/office/drawing/2014/main" id="{1BAA6E69-139C-B704-76F6-CB54E3147180}"/>
+              </a:ext>
+            </a:extLst>
+          </p:cNvPr>
+          <p:cNvSpPr/>
+          <p:nvPr/>
+        </p:nvSpPr>
+        <p:spPr>
+          <a:xfrm>
+            <a:off x="3296136" y="2855913"/>
+            <a:ext cx="616648" cy="433340"/>
+          </a:xfrm>
+          <a:prstGeom prst="rect">
+            <a:avLst/>
+          </a:prstGeom>
+          <a:noFill/>
+          <a:ln>
+            <a:noFill/>
+          </a:ln>
+        </p:spPr>
+        <p:style>
+          <a:lnRef idx="2">
+            <a:schemeClr val="dk1"/>
+          </a:lnRef>
+          <a:fillRef idx="1">
+            <a:schemeClr val="lt1"/>
+          </a:fillRef>
+          <a:effectRef idx="0">
+            <a:schemeClr val="dk1"/>
+          </a:effectRef>
+          <a:fontRef idx="minor">
+            <a:schemeClr val="dk1"/>
+          </a:fontRef>
+        </p:style>
+        <p:txBody>
+          <a:bodyPr rtlCol="0" anchor="ctr"/>
+          <a:lstStyle/>
+          <a:p>
+            <a:pPr algn="ctr"/>
+            <a:r>
+              <a:rPr lang="ja-JP" altLang="en-US" sz="1050" dirty="0"/>
+              <a:t>いいえ</a:t>
+            </a:r>
+            <a:endParaRPr kumimoji="1" lang="ja-JP" altLang="en-US" sz="1050" dirty="0"/>
+          </a:p>
+        </p:txBody>
+      </p:sp>
+      <p:cxnSp>
+        <p:nvCxnSpPr>
+          <p:cNvPr id="21" name="直線矢印コネクタ 20">
+            <a:extLst>
+              <a:ext uri="{FF2B5EF4-FFF2-40B4-BE49-F238E27FC236}">
+                <a16:creationId xmlns:a16="http://schemas.microsoft.com/office/drawing/2014/main" id="{7C4F1649-B192-2579-1E62-A2871A992E65}"/>
+              </a:ext>
+            </a:extLst>
+          </p:cNvPr>
+          <p:cNvCxnSpPr>
+            <a:cxnSpLocks/>
+            <a:endCxn id="20" idx="1"/>
+          </p:cNvCxnSpPr>
+          <p:nvPr/>
+        </p:nvCxnSpPr>
+        <p:spPr>
+          <a:xfrm flipV="1">
+            <a:off x="3418868" y="1835878"/>
+            <a:ext cx="833860" cy="696755"/>
+          </a:xfrm>
+          <a:prstGeom prst="straightConnector1">
+            <a:avLst/>
+          </a:prstGeom>
+          <a:ln>
+            <a:tailEnd type="triangle"/>
+          </a:ln>
+        </p:spPr>
+        <p:style>
+          <a:lnRef idx="2">
+            <a:schemeClr val="accent1"/>
+          </a:lnRef>
+          <a:fillRef idx="0">
+            <a:schemeClr val="accent1"/>
+          </a:fillRef>
+          <a:effectRef idx="1">
+            <a:schemeClr val="accent1"/>
+          </a:effectRef>
+          <a:fontRef idx="minor">
+            <a:schemeClr val="tx1"/>
+          </a:fontRef>
+        </p:style>
+      </p:cxnSp>
+      <p:cxnSp>
+        <p:nvCxnSpPr>
+          <p:cNvPr id="29" name="直線矢印コネクタ 28">
+            <a:extLst>
+              <a:ext uri="{FF2B5EF4-FFF2-40B4-BE49-F238E27FC236}">
+                <a16:creationId xmlns:a16="http://schemas.microsoft.com/office/drawing/2014/main" id="{4BABBD35-1735-7149-04C6-99138E2D634C}"/>
+              </a:ext>
+            </a:extLst>
+          </p:cNvPr>
+          <p:cNvCxnSpPr>
+            <a:cxnSpLocks/>
+            <a:endCxn id="22" idx="1"/>
+          </p:cNvCxnSpPr>
+          <p:nvPr/>
+        </p:nvCxnSpPr>
+        <p:spPr>
+          <a:xfrm flipV="1">
+            <a:off x="3578911" y="2887265"/>
+            <a:ext cx="761691" cy="15006"/>
           </a:xfrm>
           <a:prstGeom prst="straightConnector1">
             <a:avLst/>
